--- a/BaoCao/BAOCAO_V1.pptx
+++ b/BaoCao/BAOCAO_V1.pptx
@@ -106,6 +106,11 @@
       </a:defRPr>
     </a:lvl9pPr>
   </p:defaultTextStyle>
+  <p:extLst>
+    <p:ext uri="{EFAFB233-063F-42B5-8137-9DF3F51BA10A}">
+      <p15:sldGuideLst xmlns:p15="http://schemas.microsoft.com/office/powerpoint/2012/main"/>
+    </p:ext>
+  </p:extLst>
 </p:presentation>
 </file>
 
@@ -256,7 +261,7 @@
           <a:p>
             <a:fld id="{5DBA78C5-84B4-44BC-9F65-A1C5A9E72315}" type="datetimeFigureOut">
               <a:rPr lang="en-US" smtClean="0"/>
-              <a:t>02-Mar-20</a:t>
+              <a:t>26-Apr-20</a:t>
             </a:fld>
             <a:endParaRPr lang="en-US"/>
           </a:p>
@@ -454,7 +459,7 @@
           <a:p>
             <a:fld id="{5DBA78C5-84B4-44BC-9F65-A1C5A9E72315}" type="datetimeFigureOut">
               <a:rPr lang="en-US" smtClean="0"/>
-              <a:t>02-Mar-20</a:t>
+              <a:t>26-Apr-20</a:t>
             </a:fld>
             <a:endParaRPr lang="en-US"/>
           </a:p>
@@ -662,7 +667,7 @@
           <a:p>
             <a:fld id="{5DBA78C5-84B4-44BC-9F65-A1C5A9E72315}" type="datetimeFigureOut">
               <a:rPr lang="en-US" smtClean="0"/>
-              <a:t>02-Mar-20</a:t>
+              <a:t>26-Apr-20</a:t>
             </a:fld>
             <a:endParaRPr lang="en-US"/>
           </a:p>
@@ -860,7 +865,7 @@
           <a:p>
             <a:fld id="{5DBA78C5-84B4-44BC-9F65-A1C5A9E72315}" type="datetimeFigureOut">
               <a:rPr lang="en-US" smtClean="0"/>
-              <a:t>02-Mar-20</a:t>
+              <a:t>26-Apr-20</a:t>
             </a:fld>
             <a:endParaRPr lang="en-US"/>
           </a:p>
@@ -1135,7 +1140,7 @@
           <a:p>
             <a:fld id="{5DBA78C5-84B4-44BC-9F65-A1C5A9E72315}" type="datetimeFigureOut">
               <a:rPr lang="en-US" smtClean="0"/>
-              <a:t>02-Mar-20</a:t>
+              <a:t>26-Apr-20</a:t>
             </a:fld>
             <a:endParaRPr lang="en-US"/>
           </a:p>
@@ -1400,7 +1405,7 @@
           <a:p>
             <a:fld id="{5DBA78C5-84B4-44BC-9F65-A1C5A9E72315}" type="datetimeFigureOut">
               <a:rPr lang="en-US" smtClean="0"/>
-              <a:t>02-Mar-20</a:t>
+              <a:t>26-Apr-20</a:t>
             </a:fld>
             <a:endParaRPr lang="en-US"/>
           </a:p>
@@ -1812,7 +1817,7 @@
           <a:p>
             <a:fld id="{5DBA78C5-84B4-44BC-9F65-A1C5A9E72315}" type="datetimeFigureOut">
               <a:rPr lang="en-US" smtClean="0"/>
-              <a:t>02-Mar-20</a:t>
+              <a:t>26-Apr-20</a:t>
             </a:fld>
             <a:endParaRPr lang="en-US"/>
           </a:p>
@@ -1953,7 +1958,7 @@
           <a:p>
             <a:fld id="{5DBA78C5-84B4-44BC-9F65-A1C5A9E72315}" type="datetimeFigureOut">
               <a:rPr lang="en-US" smtClean="0"/>
-              <a:t>02-Mar-20</a:t>
+              <a:t>26-Apr-20</a:t>
             </a:fld>
             <a:endParaRPr lang="en-US"/>
           </a:p>
@@ -2066,7 +2071,7 @@
           <a:p>
             <a:fld id="{5DBA78C5-84B4-44BC-9F65-A1C5A9E72315}" type="datetimeFigureOut">
               <a:rPr lang="en-US" smtClean="0"/>
-              <a:t>02-Mar-20</a:t>
+              <a:t>26-Apr-20</a:t>
             </a:fld>
             <a:endParaRPr lang="en-US"/>
           </a:p>
@@ -2377,7 +2382,7 @@
           <a:p>
             <a:fld id="{5DBA78C5-84B4-44BC-9F65-A1C5A9E72315}" type="datetimeFigureOut">
               <a:rPr lang="en-US" smtClean="0"/>
-              <a:t>02-Mar-20</a:t>
+              <a:t>26-Apr-20</a:t>
             </a:fld>
             <a:endParaRPr lang="en-US"/>
           </a:p>
@@ -2665,7 +2670,7 @@
           <a:p>
             <a:fld id="{5DBA78C5-84B4-44BC-9F65-A1C5A9E72315}" type="datetimeFigureOut">
               <a:rPr lang="en-US" smtClean="0"/>
-              <a:t>02-Mar-20</a:t>
+              <a:t>26-Apr-20</a:t>
             </a:fld>
             <a:endParaRPr lang="en-US"/>
           </a:p>
@@ -2906,7 +2911,7 @@
           <a:p>
             <a:fld id="{5DBA78C5-84B4-44BC-9F65-A1C5A9E72315}" type="datetimeFigureOut">
               <a:rPr lang="en-US" smtClean="0"/>
-              <a:t>02-Mar-20</a:t>
+              <a:t>26-Apr-20</a:t>
             </a:fld>
             <a:endParaRPr lang="en-US"/>
           </a:p>
@@ -3837,7 +3842,7 @@
         </p:nvSpPr>
         <p:spPr>
           <a:xfrm>
-            <a:off x="0" y="4231809"/>
+            <a:off x="-13253" y="4231809"/>
             <a:ext cx="12191999" cy="1078463"/>
           </a:xfrm>
           <a:prstGeom prst="rect">
@@ -4873,13 +4878,13 @@
   <p:clrMapOvr>
     <a:masterClrMapping/>
   </p:clrMapOvr>
-  <mc:AlternateContent xmlns:mc="http://schemas.openxmlformats.org/markup-compatibility/2006">
-    <mc:Choice xmlns:p159="http://schemas.microsoft.com/office/powerpoint/2015/09/main" Requires="p159">
+  <mc:AlternateContent xmlns:mc="http://schemas.openxmlformats.org/markup-compatibility/2006" xmlns:p159="http://schemas.microsoft.com/office/powerpoint/2015/09/main">
+    <mc:Choice Requires="p159">
       <p:transition xmlns:p14="http://schemas.microsoft.com/office/powerpoint/2010/main" spd="slow" p14:dur="2000">
         <p159:morph option="byObject"/>
       </p:transition>
     </mc:Choice>
-    <mc:Fallback>
+    <mc:Fallback xmlns="">
       <p:transition spd="slow">
         <p:fade/>
       </p:transition>
@@ -5176,15 +5181,6 @@
               <a:srgbClr val="FFFFFF"/>
             </a:contourClr>
           </a:sp3d>
-          <a:extLst>
-            <a:ext uri="{909E8E84-426E-40DD-AFC4-6F175D3DCCD1}">
-              <a14:hiddenFill xmlns:a14="http://schemas.microsoft.com/office/drawing/2010/main">
-                <a:solidFill>
-                  <a:srgbClr val="FFFFFF"/>
-                </a:solidFill>
-              </a14:hiddenFill>
-            </a:ext>
-          </a:extLst>
         </p:spPr>
       </p:pic>
       <p:pic>
@@ -6020,13 +6016,13 @@
   <p:clrMapOvr>
     <a:masterClrMapping/>
   </p:clrMapOvr>
-  <mc:AlternateContent xmlns:mc="http://schemas.openxmlformats.org/markup-compatibility/2006">
-    <mc:Choice xmlns:p159="http://schemas.microsoft.com/office/powerpoint/2015/09/main" Requires="p159">
+  <mc:AlternateContent xmlns:mc="http://schemas.openxmlformats.org/markup-compatibility/2006" xmlns:p159="http://schemas.microsoft.com/office/powerpoint/2015/09/main">
+    <mc:Choice Requires="p159">
       <p:transition xmlns:p14="http://schemas.microsoft.com/office/powerpoint/2010/main" spd="slow" p14:dur="2000">
         <p159:morph option="byObject"/>
       </p:transition>
     </mc:Choice>
-    <mc:Fallback>
+    <mc:Fallback xmlns="">
       <p:transition spd="slow">
         <p:fade/>
       </p:transition>
@@ -6637,7 +6633,7 @@
         </p:blipFill>
         <p:spPr>
           <a:xfrm>
-            <a:off x="4506323" y="1811200"/>
+            <a:off x="734088" y="2737415"/>
             <a:ext cx="3266077" cy="1633039"/>
           </a:xfrm>
           <a:prstGeom prst="rect">
@@ -7104,7 +7100,7 @@
         </p:nvSpPr>
         <p:spPr>
           <a:xfrm>
-            <a:off x="4506323" y="3774346"/>
+            <a:off x="4320792" y="2762222"/>
             <a:ext cx="7018560" cy="1333555"/>
           </a:xfrm>
           <a:prstGeom prst="rect">
@@ -7156,7 +7152,7 @@
         </p:nvSpPr>
         <p:spPr>
           <a:xfrm>
-            <a:off x="4610227" y="3875916"/>
+            <a:off x="4424696" y="2863792"/>
             <a:ext cx="6807084" cy="1126278"/>
           </a:xfrm>
           <a:prstGeom prst="rect">
@@ -7210,7 +7206,7 @@
         </p:nvSpPr>
         <p:spPr>
           <a:xfrm>
-            <a:off x="4795759" y="4053972"/>
+            <a:off x="4610228" y="3041848"/>
             <a:ext cx="6436019" cy="808571"/>
           </a:xfrm>
           <a:prstGeom prst="rect">
@@ -7493,13 +7489,13 @@
   <p:clrMapOvr>
     <a:masterClrMapping/>
   </p:clrMapOvr>
-  <mc:AlternateContent xmlns:mc="http://schemas.openxmlformats.org/markup-compatibility/2006">
-    <mc:Choice xmlns:p159="http://schemas.microsoft.com/office/powerpoint/2015/09/main" Requires="p159">
+  <mc:AlternateContent xmlns:mc="http://schemas.openxmlformats.org/markup-compatibility/2006" xmlns:p159="http://schemas.microsoft.com/office/powerpoint/2015/09/main">
+    <mc:Choice Requires="p159">
       <p:transition xmlns:p14="http://schemas.microsoft.com/office/powerpoint/2010/main" spd="slow" p14:dur="2000">
         <p159:morph option="byObject"/>
       </p:transition>
     </mc:Choice>
-    <mc:Fallback>
+    <mc:Fallback xmlns="">
       <p:transition spd="slow">
         <p:fade/>
       </p:transition>
